--- a/Lecture Note/Lecture 03/Lecture 03.pptx
+++ b/Lecture Note/Lecture 03/Lecture 03.pptx
@@ -51,20 +51,20 @@
   <p:notesSz cx="6858000" cy="9144000"/>
   <p:embeddedFontLst>
     <p:embeddedFont>
-      <p:font typeface="a옛날목욕탕B" panose="02020600000000000000" pitchFamily="18" charset="-127"/>
-      <p:regular r:id="rId43"/>
+      <p:font typeface="나눔스퀘어라운드 Bold" panose="020B0600000101010101" charset="-127"/>
+      <p:bold r:id="rId43"/>
     </p:embeddedFont>
     <p:embeddedFont>
-      <p:font typeface="나눔스퀘어라운드 Bold" panose="020B0600000101010101" pitchFamily="50" charset="-127"/>
-      <p:bold r:id="rId44"/>
+      <p:font typeface="메이플스토리" panose="020B0600000101010101" charset="-127"/>
+      <p:regular r:id="rId44"/>
+      <p:bold r:id="rId45"/>
+    </p:embeddedFont>
+    <p:embeddedFont>
+      <p:font typeface="a옛날목욕탕B" panose="02020600000000000000" pitchFamily="18" charset="-127"/>
+      <p:regular r:id="rId46"/>
     </p:embeddedFont>
     <p:embeddedFont>
       <p:font typeface="맑은 고딕" panose="020B0503020000020004" pitchFamily="50" charset="-127"/>
-      <p:regular r:id="rId45"/>
-      <p:bold r:id="rId46"/>
-    </p:embeddedFont>
-    <p:embeddedFont>
-      <p:font typeface="메이플스토리" panose="02000300000000000000" pitchFamily="2" charset="-127"/>
       <p:regular r:id="rId47"/>
       <p:bold r:id="rId48"/>
     </p:embeddedFont>
@@ -3627,7 +3627,7 @@
           <a:p>
             <a:fld id="{516BFB65-1ABC-4601-A567-223D74EE9DF8}" type="datetimeFigureOut">
               <a:rPr lang="ko-KR" altLang="en-US" smtClean="0"/>
-              <a:t>2019-11-16</a:t>
+              <a:t>2020-01-24</a:t>
             </a:fld>
             <a:endParaRPr lang="ko-KR" altLang="en-US"/>
           </a:p>
@@ -3795,7 +3795,7 @@
           <a:p>
             <a:fld id="{516BFB65-1ABC-4601-A567-223D74EE9DF8}" type="datetimeFigureOut">
               <a:rPr lang="ko-KR" altLang="en-US" smtClean="0"/>
-              <a:t>2019-11-16</a:t>
+              <a:t>2020-01-24</a:t>
             </a:fld>
             <a:endParaRPr lang="ko-KR" altLang="en-US"/>
           </a:p>
@@ -3973,7 +3973,7 @@
           <a:p>
             <a:fld id="{516BFB65-1ABC-4601-A567-223D74EE9DF8}" type="datetimeFigureOut">
               <a:rPr lang="ko-KR" altLang="en-US" smtClean="0"/>
-              <a:t>2019-11-16</a:t>
+              <a:t>2020-01-24</a:t>
             </a:fld>
             <a:endParaRPr lang="ko-KR" altLang="en-US"/>
           </a:p>
@@ -4141,7 +4141,7 @@
           <a:p>
             <a:fld id="{516BFB65-1ABC-4601-A567-223D74EE9DF8}" type="datetimeFigureOut">
               <a:rPr lang="ko-KR" altLang="en-US" smtClean="0"/>
-              <a:t>2019-11-16</a:t>
+              <a:t>2020-01-24</a:t>
             </a:fld>
             <a:endParaRPr lang="ko-KR" altLang="en-US"/>
           </a:p>
@@ -4386,7 +4386,7 @@
           <a:p>
             <a:fld id="{516BFB65-1ABC-4601-A567-223D74EE9DF8}" type="datetimeFigureOut">
               <a:rPr lang="ko-KR" altLang="en-US" smtClean="0"/>
-              <a:t>2019-11-16</a:t>
+              <a:t>2020-01-24</a:t>
             </a:fld>
             <a:endParaRPr lang="ko-KR" altLang="en-US"/>
           </a:p>
@@ -4615,7 +4615,7 @@
           <a:p>
             <a:fld id="{516BFB65-1ABC-4601-A567-223D74EE9DF8}" type="datetimeFigureOut">
               <a:rPr lang="ko-KR" altLang="en-US" smtClean="0"/>
-              <a:t>2019-11-16</a:t>
+              <a:t>2020-01-24</a:t>
             </a:fld>
             <a:endParaRPr lang="ko-KR" altLang="en-US"/>
           </a:p>
@@ -4979,7 +4979,7 @@
           <a:p>
             <a:fld id="{516BFB65-1ABC-4601-A567-223D74EE9DF8}" type="datetimeFigureOut">
               <a:rPr lang="ko-KR" altLang="en-US" smtClean="0"/>
-              <a:t>2019-11-16</a:t>
+              <a:t>2020-01-24</a:t>
             </a:fld>
             <a:endParaRPr lang="ko-KR" altLang="en-US"/>
           </a:p>
@@ -5096,7 +5096,7 @@
           <a:p>
             <a:fld id="{516BFB65-1ABC-4601-A567-223D74EE9DF8}" type="datetimeFigureOut">
               <a:rPr lang="ko-KR" altLang="en-US" smtClean="0"/>
-              <a:t>2019-11-16</a:t>
+              <a:t>2020-01-24</a:t>
             </a:fld>
             <a:endParaRPr lang="ko-KR" altLang="en-US"/>
           </a:p>
@@ -5191,7 +5191,7 @@
           <a:p>
             <a:fld id="{516BFB65-1ABC-4601-A567-223D74EE9DF8}" type="datetimeFigureOut">
               <a:rPr lang="ko-KR" altLang="en-US" smtClean="0"/>
-              <a:t>2019-11-16</a:t>
+              <a:t>2020-01-24</a:t>
             </a:fld>
             <a:endParaRPr lang="ko-KR" altLang="en-US"/>
           </a:p>
@@ -5466,7 +5466,7 @@
           <a:p>
             <a:fld id="{516BFB65-1ABC-4601-A567-223D74EE9DF8}" type="datetimeFigureOut">
               <a:rPr lang="ko-KR" altLang="en-US" smtClean="0"/>
-              <a:t>2019-11-16</a:t>
+              <a:t>2020-01-24</a:t>
             </a:fld>
             <a:endParaRPr lang="ko-KR" altLang="en-US"/>
           </a:p>
@@ -5718,7 +5718,7 @@
           <a:p>
             <a:fld id="{516BFB65-1ABC-4601-A567-223D74EE9DF8}" type="datetimeFigureOut">
               <a:rPr lang="ko-KR" altLang="en-US" smtClean="0"/>
-              <a:t>2019-11-16</a:t>
+              <a:t>2020-01-24</a:t>
             </a:fld>
             <a:endParaRPr lang="ko-KR" altLang="en-US"/>
           </a:p>
@@ -5929,7 +5929,7 @@
           <a:p>
             <a:fld id="{516BFB65-1ABC-4601-A567-223D74EE9DF8}" type="datetimeFigureOut">
               <a:rPr lang="ko-KR" altLang="en-US" smtClean="0"/>
-              <a:t>2019-11-16</a:t>
+              <a:t>2020-01-24</a:t>
             </a:fld>
             <a:endParaRPr lang="ko-KR" altLang="en-US"/>
           </a:p>
@@ -19181,7 +19181,7 @@
         </p:blipFill>
         <p:spPr bwMode="auto">
           <a:xfrm>
-            <a:off x="8680902" y="674257"/>
+            <a:off x="8680902" y="680981"/>
             <a:ext cx="2606385" cy="2823584"/>
           </a:xfrm>
           <a:prstGeom prst="rect">
